--- a/docs/lectures/lecture_09/09_01_lecture_powerpoint.pptx
+++ b/docs/lectures/lecture_09/09_01_lecture_powerpoint.pptx
@@ -6513,7 +6513,7 @@
                 </a:solidFill>
                 <a:latin typeface="Courier"/>
               </a:rPr>
-              <a:t>(len_mm),</a:t>
+              <a:t>(length_mm),</a:t>
             </a:r>
             <a:br/>
             <a:r>
@@ -6559,7 +6559,7 @@
                 </a:solidFill>
                 <a:latin typeface="Courier"/>
               </a:rPr>
-              <a:t>(len_mm),</a:t>
+              <a:t>(length_mm),</a:t>
             </a:r>
             <a:br/>
             <a:r>

--- a/docs/lectures/lecture_09/09_01_lecture_powerpoint.pptx
+++ b/docs/lectures/lecture_09/09_01_lecture_powerpoint.pptx
@@ -3357,7 +3357,7 @@
             <a:br/>
             <a:r>
               <a:rPr/>
-              <a:t>Your Name</a:t>
+              <a:t>Bill Perry</a:t>
             </a:r>
           </a:p>
         </p:txBody>
